--- a/Bargain Radar.pptx
+++ b/Bargain Radar.pptx
@@ -12,10 +12,11 @@
     <p:sldId id="260" r:id="rId6"/>
     <p:sldId id="261" r:id="rId7"/>
     <p:sldId id="262" r:id="rId8"/>
-    <p:sldId id="263" r:id="rId9"/>
-    <p:sldId id="264" r:id="rId10"/>
-    <p:sldId id="265" r:id="rId11"/>
-    <p:sldId id="266" r:id="rId12"/>
+    <p:sldId id="266" r:id="rId9"/>
+    <p:sldId id="267" r:id="rId10"/>
+    <p:sldId id="268" r:id="rId11"/>
+    <p:sldId id="264" r:id="rId12"/>
+    <p:sldId id="269" r:id="rId13"/>
   </p:sldIdLst>
   <p:sldSz cx="9144000" cy="6858000" type="screen4x3"/>
   <p:notesSz cx="6858000" cy="9144000"/>
@@ -298,7 +299,8 @@
           <a:p>
             <a:fld id="{B94E64E7-D6F3-422A-8FB8-13811F52D90C}" type="datetimeFigureOut">
               <a:rPr lang="en-GB" smtClean="0"/>
-              <a:t>11/02/2015</a:t>
+              <a:pPr/>
+              <a:t>25/02/2015</a:t>
             </a:fld>
             <a:endParaRPr lang="en-GB"/>
           </a:p>
@@ -340,6 +342,7 @@
           <a:p>
             <a:fld id="{8A193897-E177-4717-A213-FD1826A9E47A}" type="slidenum">
               <a:rPr lang="en-GB" smtClean="0"/>
+              <a:pPr/>
               <a:t>‹#›</a:t>
             </a:fld>
             <a:endParaRPr lang="en-GB"/>
@@ -463,7 +466,8 @@
           <a:p>
             <a:fld id="{B94E64E7-D6F3-422A-8FB8-13811F52D90C}" type="datetimeFigureOut">
               <a:rPr lang="en-GB" smtClean="0"/>
-              <a:t>11/02/2015</a:t>
+              <a:pPr/>
+              <a:t>25/02/2015</a:t>
             </a:fld>
             <a:endParaRPr lang="en-GB"/>
           </a:p>
@@ -505,6 +509,7 @@
           <a:p>
             <a:fld id="{8A193897-E177-4717-A213-FD1826A9E47A}" type="slidenum">
               <a:rPr lang="en-GB" smtClean="0"/>
+              <a:pPr/>
               <a:t>‹#›</a:t>
             </a:fld>
             <a:endParaRPr lang="en-GB"/>
@@ -638,7 +643,8 @@
           <a:p>
             <a:fld id="{B94E64E7-D6F3-422A-8FB8-13811F52D90C}" type="datetimeFigureOut">
               <a:rPr lang="en-GB" smtClean="0"/>
-              <a:t>11/02/2015</a:t>
+              <a:pPr/>
+              <a:t>25/02/2015</a:t>
             </a:fld>
             <a:endParaRPr lang="en-GB"/>
           </a:p>
@@ -680,6 +686,7 @@
           <a:p>
             <a:fld id="{8A193897-E177-4717-A213-FD1826A9E47A}" type="slidenum">
               <a:rPr lang="en-GB" smtClean="0"/>
+              <a:pPr/>
               <a:t>‹#›</a:t>
             </a:fld>
             <a:endParaRPr lang="en-GB"/>
@@ -803,7 +810,8 @@
           <a:p>
             <a:fld id="{B94E64E7-D6F3-422A-8FB8-13811F52D90C}" type="datetimeFigureOut">
               <a:rPr lang="en-GB" smtClean="0"/>
-              <a:t>11/02/2015</a:t>
+              <a:pPr/>
+              <a:t>25/02/2015</a:t>
             </a:fld>
             <a:endParaRPr lang="en-GB"/>
           </a:p>
@@ -845,6 +853,7 @@
           <a:p>
             <a:fld id="{8A193897-E177-4717-A213-FD1826A9E47A}" type="slidenum">
               <a:rPr lang="en-GB" smtClean="0"/>
+              <a:pPr/>
               <a:t>‹#›</a:t>
             </a:fld>
             <a:endParaRPr lang="en-GB"/>
@@ -1044,7 +1053,8 @@
           <a:p>
             <a:fld id="{B94E64E7-D6F3-422A-8FB8-13811F52D90C}" type="datetimeFigureOut">
               <a:rPr lang="en-GB" smtClean="0"/>
-              <a:t>11/02/2015</a:t>
+              <a:pPr/>
+              <a:t>25/02/2015</a:t>
             </a:fld>
             <a:endParaRPr lang="en-GB"/>
           </a:p>
@@ -1086,6 +1096,7 @@
           <a:p>
             <a:fld id="{8A193897-E177-4717-A213-FD1826A9E47A}" type="slidenum">
               <a:rPr lang="en-GB" smtClean="0"/>
+              <a:pPr/>
               <a:t>‹#›</a:t>
             </a:fld>
             <a:endParaRPr lang="en-GB"/>
@@ -1327,7 +1338,8 @@
           <a:p>
             <a:fld id="{B94E64E7-D6F3-422A-8FB8-13811F52D90C}" type="datetimeFigureOut">
               <a:rPr lang="en-GB" smtClean="0"/>
-              <a:t>11/02/2015</a:t>
+              <a:pPr/>
+              <a:t>25/02/2015</a:t>
             </a:fld>
             <a:endParaRPr lang="en-GB"/>
           </a:p>
@@ -1369,6 +1381,7 @@
           <a:p>
             <a:fld id="{8A193897-E177-4717-A213-FD1826A9E47A}" type="slidenum">
               <a:rPr lang="en-GB" smtClean="0"/>
+              <a:pPr/>
               <a:t>‹#›</a:t>
             </a:fld>
             <a:endParaRPr lang="en-GB"/>
@@ -1744,7 +1757,8 @@
           <a:p>
             <a:fld id="{B94E64E7-D6F3-422A-8FB8-13811F52D90C}" type="datetimeFigureOut">
               <a:rPr lang="en-GB" smtClean="0"/>
-              <a:t>11/02/2015</a:t>
+              <a:pPr/>
+              <a:t>25/02/2015</a:t>
             </a:fld>
             <a:endParaRPr lang="en-GB"/>
           </a:p>
@@ -1786,6 +1800,7 @@
           <a:p>
             <a:fld id="{8A193897-E177-4717-A213-FD1826A9E47A}" type="slidenum">
               <a:rPr lang="en-GB" smtClean="0"/>
+              <a:pPr/>
               <a:t>‹#›</a:t>
             </a:fld>
             <a:endParaRPr lang="en-GB"/>
@@ -1857,7 +1872,8 @@
           <a:p>
             <a:fld id="{B94E64E7-D6F3-422A-8FB8-13811F52D90C}" type="datetimeFigureOut">
               <a:rPr lang="en-GB" smtClean="0"/>
-              <a:t>11/02/2015</a:t>
+              <a:pPr/>
+              <a:t>25/02/2015</a:t>
             </a:fld>
             <a:endParaRPr lang="en-GB"/>
           </a:p>
@@ -1899,6 +1915,7 @@
           <a:p>
             <a:fld id="{8A193897-E177-4717-A213-FD1826A9E47A}" type="slidenum">
               <a:rPr lang="en-GB" smtClean="0"/>
+              <a:pPr/>
               <a:t>‹#›</a:t>
             </a:fld>
             <a:endParaRPr lang="en-GB"/>
@@ -1947,7 +1964,8 @@
           <a:p>
             <a:fld id="{B94E64E7-D6F3-422A-8FB8-13811F52D90C}" type="datetimeFigureOut">
               <a:rPr lang="en-GB" smtClean="0"/>
-              <a:t>11/02/2015</a:t>
+              <a:pPr/>
+              <a:t>25/02/2015</a:t>
             </a:fld>
             <a:endParaRPr lang="en-GB"/>
           </a:p>
@@ -1989,6 +2007,7 @@
           <a:p>
             <a:fld id="{8A193897-E177-4717-A213-FD1826A9E47A}" type="slidenum">
               <a:rPr lang="en-GB" smtClean="0"/>
+              <a:pPr/>
               <a:t>‹#›</a:t>
             </a:fld>
             <a:endParaRPr lang="en-GB"/>
@@ -2219,7 +2238,8 @@
           <a:p>
             <a:fld id="{B94E64E7-D6F3-422A-8FB8-13811F52D90C}" type="datetimeFigureOut">
               <a:rPr lang="en-GB" smtClean="0"/>
-              <a:t>11/02/2015</a:t>
+              <a:pPr/>
+              <a:t>25/02/2015</a:t>
             </a:fld>
             <a:endParaRPr lang="en-GB"/>
           </a:p>
@@ -2261,6 +2281,7 @@
           <a:p>
             <a:fld id="{8A193897-E177-4717-A213-FD1826A9E47A}" type="slidenum">
               <a:rPr lang="en-GB" smtClean="0"/>
+              <a:pPr/>
               <a:t>‹#›</a:t>
             </a:fld>
             <a:endParaRPr lang="en-GB"/>
@@ -2467,7 +2488,8 @@
           <a:p>
             <a:fld id="{B94E64E7-D6F3-422A-8FB8-13811F52D90C}" type="datetimeFigureOut">
               <a:rPr lang="en-GB" smtClean="0"/>
-              <a:t>11/02/2015</a:t>
+              <a:pPr/>
+              <a:t>25/02/2015</a:t>
             </a:fld>
             <a:endParaRPr lang="en-GB"/>
           </a:p>
@@ -2509,6 +2531,7 @@
           <a:p>
             <a:fld id="{8A193897-E177-4717-A213-FD1826A9E47A}" type="slidenum">
               <a:rPr lang="en-GB" smtClean="0"/>
+              <a:pPr/>
               <a:t>‹#›</a:t>
             </a:fld>
             <a:endParaRPr lang="en-GB"/>
@@ -2675,7 +2698,8 @@
           <a:p>
             <a:fld id="{B94E64E7-D6F3-422A-8FB8-13811F52D90C}" type="datetimeFigureOut">
               <a:rPr lang="en-GB" smtClean="0"/>
-              <a:t>11/02/2015</a:t>
+              <a:pPr/>
+              <a:t>25/02/2015</a:t>
             </a:fld>
             <a:endParaRPr lang="en-GB"/>
           </a:p>
@@ -2753,6 +2777,7 @@
           <a:p>
             <a:fld id="{8A193897-E177-4717-A213-FD1826A9E47A}" type="slidenum">
               <a:rPr lang="en-GB" smtClean="0"/>
+              <a:pPr/>
               <a:t>‹#›</a:t>
             </a:fld>
             <a:endParaRPr lang="en-GB"/>
@@ -3080,66 +3105,223 @@
         </p:nvSpPr>
         <p:spPr/>
         <p:txBody>
-          <a:bodyPr/>
-          <a:lstStyle/>
-          <a:p>
-            <a:r>
-              <a:rPr lang="en-GB" dirty="0" smtClean="0"/>
-              <a:t>By </a:t>
-            </a:r>
-            <a:r>
-              <a:rPr lang="en-GB" dirty="0" err="1" smtClean="0"/>
+          <a:bodyPr>
+            <a:normAutofit fontScale="77500" lnSpcReduction="20000"/>
+          </a:bodyPr>
+          <a:lstStyle/>
+          <a:p>
+            <a:r>
+              <a:rPr lang="en-GB" dirty="0" smtClean="0">
+                <a:solidFill>
+                  <a:schemeClr val="tx1"/>
+                </a:solidFill>
+              </a:rPr>
+              <a:t>Group C11</a:t>
+            </a:r>
+          </a:p>
+          <a:p>
+            <a:r>
+              <a:rPr lang="en-GB" dirty="0" err="1" smtClean="0">
+                <a:solidFill>
+                  <a:schemeClr val="tx1"/>
+                </a:solidFill>
+              </a:rPr>
               <a:t>Majd</a:t>
             </a:r>
             <a:r>
-              <a:rPr lang="en-GB" dirty="0" smtClean="0"/>
+              <a:rPr lang="en-GB" dirty="0" smtClean="0">
+                <a:solidFill>
+                  <a:schemeClr val="tx1"/>
+                </a:solidFill>
+              </a:rPr>
               <a:t> </a:t>
             </a:r>
             <a:r>
-              <a:rPr lang="en-GB" dirty="0" err="1" smtClean="0"/>
+              <a:rPr lang="en-GB" dirty="0" err="1" smtClean="0">
+                <a:solidFill>
+                  <a:schemeClr val="tx1"/>
+                </a:solidFill>
+              </a:rPr>
               <a:t>Sehwail</a:t>
             </a:r>
             <a:r>
-              <a:rPr lang="en-GB" dirty="0" smtClean="0"/>
+              <a:rPr lang="en-GB" dirty="0" smtClean="0">
+                <a:solidFill>
+                  <a:schemeClr val="tx1"/>
+                </a:solidFill>
+              </a:rPr>
+              <a:t>, 2096507</a:t>
+            </a:r>
+            <a:br>
+              <a:rPr lang="en-GB" dirty="0" smtClean="0">
+                <a:solidFill>
+                  <a:schemeClr val="tx1"/>
+                </a:solidFill>
+              </a:rPr>
+            </a:br>
+            <a:r>
+              <a:rPr lang="en-GB" dirty="0" smtClean="0">
+                <a:solidFill>
+                  <a:schemeClr val="tx1"/>
+                </a:solidFill>
+              </a:rPr>
+              <a:t> </a:t>
+            </a:r>
+            <a:r>
+              <a:rPr lang="en-GB" dirty="0" err="1" smtClean="0">
+                <a:solidFill>
+                  <a:schemeClr val="tx1"/>
+                </a:solidFill>
+              </a:rPr>
+              <a:t>Mariusz</a:t>
+            </a:r>
+            <a:r>
+              <a:rPr lang="en-GB" dirty="0" smtClean="0">
+                <a:solidFill>
+                  <a:schemeClr val="tx1"/>
+                </a:solidFill>
+              </a:rPr>
+              <a:t> </a:t>
+            </a:r>
+            <a:r>
+              <a:rPr lang="en-GB" dirty="0" err="1" smtClean="0">
+                <a:solidFill>
+                  <a:schemeClr val="tx1"/>
+                </a:solidFill>
+              </a:rPr>
+              <a:t>Szmajduch</a:t>
+            </a:r>
+            <a:r>
+              <a:rPr lang="en-GB" dirty="0" smtClean="0">
+                <a:solidFill>
+                  <a:schemeClr val="tx1"/>
+                </a:solidFill>
+              </a:rPr>
               <a:t>, </a:t>
             </a:r>
             <a:r>
-              <a:rPr lang="en-GB" dirty="0" err="1" smtClean="0"/>
-              <a:t>Mariusz</a:t>
-            </a:r>
-            <a:r>
-              <a:rPr lang="en-GB" dirty="0" smtClean="0"/>
+              <a:rPr lang="en-US" dirty="0" smtClean="0">
+                <a:solidFill>
+                  <a:schemeClr val="tx1"/>
+                </a:solidFill>
+              </a:rPr>
+              <a:t>2089488 </a:t>
+            </a:r>
+            <a:r>
+              <a:rPr lang="en-GB" dirty="0" smtClean="0">
+                <a:solidFill>
+                  <a:schemeClr val="tx1"/>
+                </a:solidFill>
+              </a:rPr>
+              <a:t/>
+            </a:r>
+            <a:br>
+              <a:rPr lang="en-GB" dirty="0" smtClean="0">
+                <a:solidFill>
+                  <a:schemeClr val="tx1"/>
+                </a:solidFill>
+              </a:rPr>
+            </a:br>
+            <a:r>
+              <a:rPr lang="en-GB" dirty="0" smtClean="0">
+                <a:solidFill>
+                  <a:schemeClr val="tx1"/>
+                </a:solidFill>
+              </a:rPr>
               <a:t> </a:t>
             </a:r>
             <a:r>
-              <a:rPr lang="en-GB" dirty="0" err="1" smtClean="0"/>
-              <a:t>Szmajduch</a:t>
-            </a:r>
-            <a:r>
-              <a:rPr lang="en-GB" dirty="0" smtClean="0"/>
+              <a:rPr lang="en-GB" dirty="0" err="1" smtClean="0">
+                <a:solidFill>
+                  <a:schemeClr val="tx1"/>
+                </a:solidFill>
+              </a:rPr>
+              <a:t>Ivaylo</a:t>
+            </a:r>
+            <a:r>
+              <a:rPr lang="en-GB" dirty="0" smtClean="0">
+                <a:solidFill>
+                  <a:schemeClr val="tx1"/>
+                </a:solidFill>
+              </a:rPr>
+              <a:t> </a:t>
+            </a:r>
+            <a:r>
+              <a:rPr lang="en-GB" dirty="0" err="1" smtClean="0">
+                <a:solidFill>
+                  <a:schemeClr val="tx1"/>
+                </a:solidFill>
+              </a:rPr>
+              <a:t>Zhelev</a:t>
+            </a:r>
+            <a:r>
+              <a:rPr lang="en-GB" dirty="0" smtClean="0">
+                <a:solidFill>
+                  <a:schemeClr val="tx1"/>
+                </a:solidFill>
+              </a:rPr>
               <a:t>, </a:t>
             </a:r>
             <a:r>
-              <a:rPr lang="en-GB" dirty="0" err="1" smtClean="0"/>
-              <a:t>Ivaylo</a:t>
-            </a:r>
-            <a:r>
-              <a:rPr lang="en-GB" dirty="0" smtClean="0"/>
+              <a:rPr lang="en-US" dirty="0" smtClean="0">
+                <a:solidFill>
+                  <a:schemeClr val="tx1"/>
+                </a:solidFill>
+              </a:rPr>
+              <a:t>2026929 </a:t>
+            </a:r>
+            <a:r>
+              <a:rPr lang="en-GB" dirty="0" smtClean="0">
+                <a:solidFill>
+                  <a:schemeClr val="tx1"/>
+                </a:solidFill>
+              </a:rPr>
+              <a:t/>
+            </a:r>
+            <a:br>
+              <a:rPr lang="en-GB" dirty="0" smtClean="0">
+                <a:solidFill>
+                  <a:schemeClr val="tx1"/>
+                </a:solidFill>
+              </a:rPr>
+            </a:br>
+            <a:r>
+              <a:rPr lang="en-GB" dirty="0" smtClean="0">
+                <a:solidFill>
+                  <a:schemeClr val="tx1"/>
+                </a:solidFill>
+              </a:rPr>
               <a:t> </a:t>
             </a:r>
             <a:r>
-              <a:rPr lang="en-GB" dirty="0" err="1" smtClean="0"/>
-              <a:t>Zhelev</a:t>
-            </a:r>
-            <a:r>
-              <a:rPr lang="en-GB" dirty="0" smtClean="0"/>
-              <a:t> and Ivan </a:t>
-            </a:r>
-            <a:r>
-              <a:rPr lang="en-GB" dirty="0" err="1" smtClean="0"/>
+              <a:rPr lang="en-GB" dirty="0" smtClean="0">
+                <a:solidFill>
+                  <a:schemeClr val="tx1"/>
+                </a:solidFill>
+              </a:rPr>
+              <a:t>Ivan </a:t>
+            </a:r>
+            <a:r>
+              <a:rPr lang="en-GB" dirty="0" err="1" smtClean="0">
+                <a:solidFill>
+                  <a:schemeClr val="tx1"/>
+                </a:solidFill>
+              </a:rPr>
               <a:t>Kulazhenkov</a:t>
             </a:r>
-            <a:endParaRPr lang="en-GB" dirty="0" smtClean="0"/>
+            <a:r>
+              <a:rPr lang="en-GB" dirty="0" smtClean="0">
+                <a:solidFill>
+                  <a:schemeClr val="tx1"/>
+                </a:solidFill>
+              </a:rPr>
+              <a:t>, 2093731</a:t>
+            </a:r>
+            <a:endParaRPr lang="en-GB" dirty="0" smtClean="0">
+              <a:solidFill>
+                <a:schemeClr val="tx1"/>
+              </a:solidFill>
+            </a:endParaRPr>
           </a:p>
           <a:p>
             <a:endParaRPr lang="en-GB" dirty="0"/>
@@ -3188,32 +3370,382 @@
           <a:p>
             <a:r>
               <a:rPr lang="en-GB" dirty="0" smtClean="0"/>
-              <a:t>N-Tier Architecture</a:t>
+              <a:t>User Needs Matrix</a:t>
             </a:r>
             <a:endParaRPr lang="en-GB" dirty="0"/>
           </a:p>
         </p:txBody>
       </p:sp>
-      <p:sp>
-        <p:nvSpPr>
-          <p:cNvPr id="3" name="Content Placeholder 2"/>
-          <p:cNvSpPr>
-            <a:spLocks noGrp="1"/>
-          </p:cNvSpPr>
-          <p:nvPr>
-            <p:ph idx="1"/>
-          </p:nvPr>
-        </p:nvSpPr>
-        <p:spPr/>
-        <p:txBody>
-          <a:bodyPr/>
-          <a:lstStyle/>
-          <a:p>
+      <p:graphicFrame>
+        <p:nvGraphicFramePr>
+          <p:cNvPr id="8" name="Table 7"/>
+          <p:cNvGraphicFramePr>
+            <a:graphicFrameLocks noGrp="1"/>
+          </p:cNvGraphicFramePr>
+          <p:nvPr>
+            <p:extLst>
+              <p:ext uri="{D42A27DB-BD31-4B8C-83A1-F6EECF244321}">
+                <p14:modId xmlns:p14="http://schemas.microsoft.com/office/powerpoint/2010/main" xmlns="" val="3667153928"/>
+              </p:ext>
+            </p:extLst>
+          </p:nvPr>
+        </p:nvGraphicFramePr>
+        <p:xfrm>
+          <a:off x="971600" y="1556792"/>
+          <a:ext cx="7344816" cy="3448392"/>
+        </p:xfrm>
+        <a:graphic>
+          <a:graphicData uri="http://schemas.openxmlformats.org/drawingml/2006/table">
+            <a:tbl>
+              <a:tblPr firstRow="1" bandRow="1">
+                <a:tableStyleId>{073A0DAA-6AF3-43AB-8588-CEC1D06C72B9}</a:tableStyleId>
+              </a:tblPr>
+              <a:tblGrid>
+                <a:gridCol w="2448272"/>
+                <a:gridCol w="2448272"/>
+                <a:gridCol w="2448272"/>
+              </a:tblGrid>
+              <a:tr h="370840">
+                <a:tc>
+                  <a:txBody>
+                    <a:bodyPr/>
+                    <a:lstStyle/>
+                    <a:p>
+                      <a:pPr algn="ctr"/>
+                      <a:r>
+                        <a:rPr lang="en-GB" dirty="0" smtClean="0"/>
+                        <a:t>App Functionality</a:t>
+                      </a:r>
+                      <a:endParaRPr lang="en-GB" dirty="0"/>
+                    </a:p>
+                  </a:txBody>
+                  <a:tcPr/>
+                </a:tc>
+                <a:tc>
+                  <a:txBody>
+                    <a:bodyPr/>
+                    <a:lstStyle/>
+                    <a:p>
+                      <a:pPr algn="ctr"/>
+                      <a:r>
+                        <a:rPr lang="en-GB" dirty="0" smtClean="0"/>
+                        <a:t>User-Jenny</a:t>
+                      </a:r>
+                      <a:endParaRPr lang="en-GB" dirty="0"/>
+                    </a:p>
+                  </a:txBody>
+                  <a:tcPr/>
+                </a:tc>
+                <a:tc>
+                  <a:txBody>
+                    <a:bodyPr/>
+                    <a:lstStyle/>
+                    <a:p>
+                      <a:pPr algn="ctr"/>
+                      <a:r>
+                        <a:rPr lang="en-GB" dirty="0" smtClean="0"/>
+                        <a:t>Client-Steve</a:t>
+                      </a:r>
+                      <a:endParaRPr lang="en-GB" dirty="0"/>
+                    </a:p>
+                  </a:txBody>
+                  <a:tcPr/>
+                </a:tc>
+              </a:tr>
+              <a:tr h="565264">
+                <a:tc>
+                  <a:txBody>
+                    <a:bodyPr/>
+                    <a:lstStyle/>
+                    <a:p>
+                      <a:r>
+                        <a:rPr lang="en-GB" dirty="0" smtClean="0"/>
+                        <a:t>Simple User Interface</a:t>
+                      </a:r>
+                      <a:endParaRPr lang="en-GB" dirty="0"/>
+                    </a:p>
+                  </a:txBody>
+                  <a:tcPr/>
+                </a:tc>
+                <a:tc>
+                  <a:txBody>
+                    <a:bodyPr/>
+                    <a:lstStyle/>
+                    <a:p>
+                      <a:r>
+                        <a:rPr lang="en-GB" dirty="0" smtClean="0"/>
+                        <a:t>4/5</a:t>
+                      </a:r>
+                      <a:endParaRPr lang="en-GB" dirty="0"/>
+                    </a:p>
+                  </a:txBody>
+                  <a:tcPr/>
+                </a:tc>
+                <a:tc>
+                  <a:txBody>
+                    <a:bodyPr/>
+                    <a:lstStyle/>
+                    <a:p>
+                      <a:r>
+                        <a:rPr lang="en-GB" dirty="0" smtClean="0"/>
+                        <a:t>3/5</a:t>
+                      </a:r>
+                      <a:endParaRPr lang="en-GB" dirty="0"/>
+                    </a:p>
+                  </a:txBody>
+                  <a:tcPr/>
+                </a:tc>
+              </a:tr>
+              <a:tr h="576064">
+                <a:tc>
+                  <a:txBody>
+                    <a:bodyPr/>
+                    <a:lstStyle/>
+                    <a:p>
+                      <a:r>
+                        <a:rPr lang="en-GB" dirty="0" smtClean="0"/>
+                        <a:t>All Deal</a:t>
+                      </a:r>
+                      <a:r>
+                        <a:rPr lang="en-GB" baseline="0" dirty="0" smtClean="0"/>
+                        <a:t> Categories on one site</a:t>
+                      </a:r>
+                      <a:endParaRPr lang="en-GB" dirty="0"/>
+                    </a:p>
+                  </a:txBody>
+                  <a:tcPr/>
+                </a:tc>
+                <a:tc>
+                  <a:txBody>
+                    <a:bodyPr/>
+                    <a:lstStyle/>
+                    <a:p>
+                      <a:r>
+                        <a:rPr lang="en-GB" dirty="0" smtClean="0"/>
+                        <a:t>4/5</a:t>
+                      </a:r>
+                      <a:endParaRPr lang="en-GB" dirty="0"/>
+                    </a:p>
+                  </a:txBody>
+                  <a:tcPr/>
+                </a:tc>
+                <a:tc>
+                  <a:txBody>
+                    <a:bodyPr/>
+                    <a:lstStyle/>
+                    <a:p>
+                      <a:r>
+                        <a:rPr lang="en-GB" dirty="0" smtClean="0"/>
+                        <a:t>1/5</a:t>
+                      </a:r>
+                      <a:endParaRPr lang="en-GB" dirty="0"/>
+                    </a:p>
+                  </a:txBody>
+                  <a:tcPr/>
+                </a:tc>
+              </a:tr>
+              <a:tr h="504056">
+                <a:tc>
+                  <a:txBody>
+                    <a:bodyPr/>
+                    <a:lstStyle/>
+                    <a:p>
+                      <a:r>
+                        <a:rPr lang="en-GB" dirty="0" smtClean="0"/>
+                        <a:t>Representative</a:t>
+                      </a:r>
+                      <a:r>
+                        <a:rPr lang="en-GB" baseline="0" dirty="0" smtClean="0"/>
+                        <a:t> autonomy</a:t>
+                      </a:r>
+                    </a:p>
+                  </a:txBody>
+                  <a:tcPr/>
+                </a:tc>
+                <a:tc>
+                  <a:txBody>
+                    <a:bodyPr/>
+                    <a:lstStyle/>
+                    <a:p>
+                      <a:r>
+                        <a:rPr lang="en-GB" dirty="0" smtClean="0"/>
+                        <a:t>1/5</a:t>
+                      </a:r>
+                      <a:endParaRPr lang="en-GB" dirty="0"/>
+                    </a:p>
+                  </a:txBody>
+                  <a:tcPr/>
+                </a:tc>
+                <a:tc>
+                  <a:txBody>
+                    <a:bodyPr/>
+                    <a:lstStyle/>
+                    <a:p>
+                      <a:r>
+                        <a:rPr lang="en-GB" dirty="0" smtClean="0"/>
+                        <a:t>5/5</a:t>
+                      </a:r>
+                      <a:endParaRPr lang="en-GB" dirty="0"/>
+                    </a:p>
+                  </a:txBody>
+                  <a:tcPr/>
+                </a:tc>
+              </a:tr>
+              <a:tr h="592048">
+                <a:tc>
+                  <a:txBody>
+                    <a:bodyPr/>
+                    <a:lstStyle/>
+                    <a:p>
+                      <a:r>
+                        <a:rPr lang="en-GB" dirty="0" smtClean="0"/>
+                        <a:t>Small Business Exclusive</a:t>
+                      </a:r>
+                      <a:endParaRPr lang="en-GB" dirty="0"/>
+                    </a:p>
+                  </a:txBody>
+                  <a:tcPr/>
+                </a:tc>
+                <a:tc>
+                  <a:txBody>
+                    <a:bodyPr/>
+                    <a:lstStyle/>
+                    <a:p>
+                      <a:r>
+                        <a:rPr lang="en-GB" dirty="0" smtClean="0"/>
+                        <a:t>2/5</a:t>
+                      </a:r>
+                      <a:endParaRPr lang="en-GB" dirty="0"/>
+                    </a:p>
+                  </a:txBody>
+                  <a:tcPr/>
+                </a:tc>
+                <a:tc>
+                  <a:txBody>
+                    <a:bodyPr/>
+                    <a:lstStyle/>
+                    <a:p>
+                      <a:r>
+                        <a:rPr lang="en-GB" dirty="0" smtClean="0"/>
+                        <a:t>4/5</a:t>
+                      </a:r>
+                      <a:endParaRPr lang="en-GB" dirty="0"/>
+                    </a:p>
+                  </a:txBody>
+                  <a:tcPr/>
+                </a:tc>
+              </a:tr>
+              <a:tr h="504056">
+                <a:tc>
+                  <a:txBody>
+                    <a:bodyPr/>
+                    <a:lstStyle/>
+                    <a:p>
+                      <a:r>
+                        <a:rPr lang="en-GB" dirty="0" smtClean="0"/>
+                        <a:t>User Rating by Popularity</a:t>
+                      </a:r>
+                      <a:endParaRPr lang="en-GB" dirty="0"/>
+                    </a:p>
+                  </a:txBody>
+                  <a:tcPr/>
+                </a:tc>
+                <a:tc>
+                  <a:txBody>
+                    <a:bodyPr/>
+                    <a:lstStyle/>
+                    <a:p>
+                      <a:r>
+                        <a:rPr lang="en-GB" dirty="0" smtClean="0"/>
+                        <a:t>3/5</a:t>
+                      </a:r>
+                      <a:endParaRPr lang="en-GB" dirty="0"/>
+                    </a:p>
+                  </a:txBody>
+                  <a:tcPr/>
+                </a:tc>
+                <a:tc>
+                  <a:txBody>
+                    <a:bodyPr/>
+                    <a:lstStyle/>
+                    <a:p>
+                      <a:r>
+                        <a:rPr lang="en-GB" dirty="0" smtClean="0"/>
+                        <a:t>2/5</a:t>
+                      </a:r>
+                      <a:endParaRPr lang="en-GB" dirty="0"/>
+                    </a:p>
+                  </a:txBody>
+                  <a:tcPr/>
+                </a:tc>
+              </a:tr>
+            </a:tbl>
+          </a:graphicData>
+        </a:graphic>
+      </p:graphicFrame>
+      <p:sp>
+        <p:nvSpPr>
+          <p:cNvPr id="11" name="TextBox 10"/>
+          <p:cNvSpPr txBox="1"/>
+          <p:nvPr/>
+        </p:nvSpPr>
+        <p:spPr>
+          <a:xfrm>
+            <a:off x="971600" y="5301208"/>
+            <a:ext cx="7272808" cy="1754326"/>
+          </a:xfrm>
+          <a:prstGeom prst="rect">
+            <a:avLst/>
+          </a:prstGeom>
+          <a:noFill/>
+        </p:spPr>
+        <p:txBody>
+          <a:bodyPr wrap="square" rtlCol="0">
+            <a:spAutoFit/>
+          </a:bodyPr>
+          <a:lstStyle/>
+          <a:p>
+            <a:pPr marL="285750" indent="-285750">
+              <a:buFont typeface="Arial" pitchFamily="34" charset="0"/>
+              <a:buChar char="•"/>
+            </a:pPr>
+            <a:r>
+              <a:rPr lang="en-GB" dirty="0" smtClean="0"/>
+              <a:t>Relative importance rating system where 5/5 is very important and 1/5 is indifferent.</a:t>
+            </a:r>
+          </a:p>
+          <a:p>
+            <a:pPr marL="285750" indent="-285750">
+              <a:buFont typeface="Arial" pitchFamily="34" charset="0"/>
+              <a:buChar char="•"/>
+            </a:pPr>
+            <a:endParaRPr lang="en-GB" dirty="0" smtClean="0"/>
+          </a:p>
+          <a:p>
+            <a:pPr marL="285750" indent="-285750">
+              <a:buFont typeface="Arial" pitchFamily="34" charset="0"/>
+              <a:buChar char="•"/>
+            </a:pPr>
+            <a:r>
+              <a:rPr lang="en-GB" dirty="0" smtClean="0"/>
+              <a:t>Several compromises have to be made however, due to functionalities not being acceptable to both parties</a:t>
+            </a:r>
+          </a:p>
+          <a:p>
+            <a:pPr marL="285750" indent="-285750">
+              <a:buFont typeface="Arial" pitchFamily="34" charset="0"/>
+              <a:buChar char="•"/>
+            </a:pPr>
             <a:endParaRPr lang="en-GB" dirty="0"/>
           </a:p>
         </p:txBody>
       </p:sp>
     </p:spTree>
+    <p:extLst>
+      <p:ext uri="{BB962C8B-B14F-4D97-AF65-F5344CB8AC3E}">
+        <p14:creationId xmlns:p14="http://schemas.microsoft.com/office/powerpoint/2010/main" xmlns="" val="1125905777"/>
+      </p:ext>
+    </p:extLst>
   </p:cSld>
   <p:clrMapOvr>
     <a:masterClrMapping/>
@@ -3248,35 +3780,247 @@
             <p:ph type="title"/>
           </p:nvPr>
         </p:nvSpPr>
-        <p:spPr/>
-        <p:txBody>
-          <a:bodyPr/>
+        <p:spPr>
+          <a:xfrm>
+            <a:off x="457200" y="274638"/>
+            <a:ext cx="8258204" cy="654032"/>
+          </a:xfrm>
+        </p:spPr>
+        <p:txBody>
+          <a:bodyPr>
+            <a:normAutofit fontScale="90000"/>
+          </a:bodyPr>
           <a:lstStyle/>
           <a:p>
             <a:r>
               <a:rPr lang="en-GB" dirty="0" smtClean="0"/>
-              <a:t>ER Diagram</a:t>
+              <a:t>URL Site map</a:t>
             </a:r>
             <a:endParaRPr lang="en-GB" dirty="0"/>
           </a:p>
         </p:txBody>
       </p:sp>
-      <p:sp>
-        <p:nvSpPr>
-          <p:cNvPr id="3" name="Content Placeholder 2"/>
-          <p:cNvSpPr>
-            <a:spLocks noGrp="1"/>
-          </p:cNvSpPr>
+      <p:pic>
+        <p:nvPicPr>
+          <p:cNvPr id="1027" name="Picture 3"/>
+          <p:cNvPicPr>
+            <a:picLocks noGrp="1" noChangeAspect="1" noChangeArrowheads="1"/>
+          </p:cNvPicPr>
           <p:nvPr>
             <p:ph idx="1"/>
           </p:nvPr>
-        </p:nvSpPr>
-        <p:spPr/>
-        <p:txBody>
-          <a:bodyPr/>
-          <a:lstStyle/>
-          <a:p>
-            <a:endParaRPr lang="en-GB"/>
+        </p:nvPicPr>
+        <p:blipFill>
+          <a:blip r:embed="rId2"/>
+          <a:srcRect/>
+          <a:stretch>
+            <a:fillRect/>
+          </a:stretch>
+        </p:blipFill>
+        <p:spPr bwMode="auto">
+          <a:xfrm>
+            <a:off x="214282" y="1071546"/>
+            <a:ext cx="8715436" cy="4238803"/>
+          </a:xfrm>
+          <a:prstGeom prst="rect">
+            <a:avLst/>
+          </a:prstGeom>
+          <a:noFill/>
+          <a:ln w="9525">
+            <a:noFill/>
+            <a:miter lim="800000"/>
+            <a:headEnd/>
+            <a:tailEnd/>
+          </a:ln>
+          <a:effectLst/>
+        </p:spPr>
+      </p:pic>
+    </p:spTree>
+  </p:cSld>
+  <p:clrMapOvr>
+    <a:masterClrMapping/>
+  </p:clrMapOvr>
+</p:sld>
+</file>
+
+<file path=ppt/slides/slide12.xml><?xml version="1.0" encoding="utf-8"?>
+<p:sld xmlns:a="http://schemas.openxmlformats.org/drawingml/2006/main" xmlns:r="http://schemas.openxmlformats.org/officeDocument/2006/relationships" xmlns:p="http://schemas.openxmlformats.org/presentationml/2006/main">
+  <p:cSld>
+    <p:spTree>
+      <p:nvGrpSpPr>
+        <p:cNvPr id="1" name=""/>
+        <p:cNvGrpSpPr/>
+        <p:nvPr/>
+      </p:nvGrpSpPr>
+      <p:grpSpPr>
+        <a:xfrm>
+          <a:off x="0" y="0"/>
+          <a:ext cx="0" cy="0"/>
+          <a:chOff x="0" y="0"/>
+          <a:chExt cx="0" cy="0"/>
+        </a:xfrm>
+      </p:grpSpPr>
+      <p:pic>
+        <p:nvPicPr>
+          <p:cNvPr id="1026" name="Picture 2" descr="C:\Users\jo\Desktop\N-Tier.jpg"/>
+          <p:cNvPicPr>
+            <a:picLocks noChangeAspect="1" noChangeArrowheads="1"/>
+          </p:cNvPicPr>
+          <p:nvPr/>
+        </p:nvPicPr>
+        <p:blipFill>
+          <a:blip r:embed="rId2" cstate="print"/>
+          <a:srcRect/>
+          <a:stretch>
+            <a:fillRect/>
+          </a:stretch>
+        </p:blipFill>
+        <p:spPr bwMode="auto">
+          <a:xfrm>
+            <a:off x="311916" y="381000"/>
+            <a:ext cx="8520169" cy="4632325"/>
+          </a:xfrm>
+          <a:prstGeom prst="rect">
+            <a:avLst/>
+          </a:prstGeom>
+          <a:noFill/>
+        </p:spPr>
+      </p:pic>
+      <p:sp>
+        <p:nvSpPr>
+          <p:cNvPr id="3" name="Rectangle 2"/>
+          <p:cNvSpPr/>
+          <p:nvPr/>
+        </p:nvSpPr>
+        <p:spPr>
+          <a:xfrm>
+            <a:off x="6781800" y="4572000"/>
+            <a:ext cx="609600" cy="457200"/>
+          </a:xfrm>
+          <a:prstGeom prst="rect">
+            <a:avLst/>
+          </a:prstGeom>
+          <a:solidFill>
+            <a:schemeClr val="bg1"/>
+          </a:solidFill>
+          <a:ln>
+            <a:noFill/>
+          </a:ln>
+        </p:spPr>
+        <p:style>
+          <a:lnRef idx="2">
+            <a:schemeClr val="accent1">
+              <a:shade val="50000"/>
+            </a:schemeClr>
+          </a:lnRef>
+          <a:fillRef idx="1">
+            <a:schemeClr val="accent1"/>
+          </a:fillRef>
+          <a:effectRef idx="0">
+            <a:schemeClr val="accent1"/>
+          </a:effectRef>
+          <a:fontRef idx="minor">
+            <a:schemeClr val="lt1"/>
+          </a:fontRef>
+        </p:style>
+        <p:txBody>
+          <a:bodyPr rtlCol="0" anchor="ctr"/>
+          <a:lstStyle/>
+          <a:p>
+            <a:pPr algn="ctr"/>
+            <a:endParaRPr lang="pl-PL"/>
+          </a:p>
+        </p:txBody>
+      </p:sp>
+      <p:sp>
+        <p:nvSpPr>
+          <p:cNvPr id="4" name="Rectangle 3"/>
+          <p:cNvSpPr/>
+          <p:nvPr/>
+        </p:nvSpPr>
+        <p:spPr>
+          <a:xfrm>
+            <a:off x="8751094" y="4743450"/>
+            <a:ext cx="228600" cy="381000"/>
+          </a:xfrm>
+          <a:prstGeom prst="rect">
+            <a:avLst/>
+          </a:prstGeom>
+          <a:solidFill>
+            <a:schemeClr val="bg1"/>
+          </a:solidFill>
+          <a:ln>
+            <a:noFill/>
+          </a:ln>
+        </p:spPr>
+        <p:style>
+          <a:lnRef idx="2">
+            <a:schemeClr val="accent1">
+              <a:shade val="50000"/>
+            </a:schemeClr>
+          </a:lnRef>
+          <a:fillRef idx="1">
+            <a:schemeClr val="accent1"/>
+          </a:fillRef>
+          <a:effectRef idx="0">
+            <a:schemeClr val="accent1"/>
+          </a:effectRef>
+          <a:fontRef idx="minor">
+            <a:schemeClr val="lt1"/>
+          </a:fontRef>
+        </p:style>
+        <p:txBody>
+          <a:bodyPr rtlCol="0" anchor="ctr"/>
+          <a:lstStyle/>
+          <a:p>
+            <a:pPr algn="ctr"/>
+            <a:endParaRPr lang="pl-PL"/>
+          </a:p>
+        </p:txBody>
+      </p:sp>
+      <p:sp>
+        <p:nvSpPr>
+          <p:cNvPr id="5" name="Rectangle 4"/>
+          <p:cNvSpPr/>
+          <p:nvPr/>
+        </p:nvSpPr>
+        <p:spPr>
+          <a:xfrm>
+            <a:off x="8458200" y="4953000"/>
+            <a:ext cx="228600" cy="45719"/>
+          </a:xfrm>
+          <a:prstGeom prst="rect">
+            <a:avLst/>
+          </a:prstGeom>
+          <a:solidFill>
+            <a:schemeClr val="bg1"/>
+          </a:solidFill>
+          <a:ln>
+            <a:noFill/>
+          </a:ln>
+        </p:spPr>
+        <p:style>
+          <a:lnRef idx="2">
+            <a:schemeClr val="accent1">
+              <a:shade val="50000"/>
+            </a:schemeClr>
+          </a:lnRef>
+          <a:fillRef idx="1">
+            <a:schemeClr val="accent1"/>
+          </a:fillRef>
+          <a:effectRef idx="0">
+            <a:schemeClr val="accent1"/>
+          </a:effectRef>
+          <a:fontRef idx="minor">
+            <a:schemeClr val="lt1"/>
+          </a:fontRef>
+        </p:style>
+        <p:txBody>
+          <a:bodyPr rtlCol="0" anchor="ctr"/>
+          <a:lstStyle/>
+          <a:p>
+            <a:pPr algn="ctr"/>
+            <a:endParaRPr lang="pl-PL"/>
           </a:p>
         </p:txBody>
       </p:sp>
@@ -3318,13 +4062,13 @@
         <p:spPr/>
         <p:txBody>
           <a:bodyPr>
-            <a:normAutofit fontScale="90000"/>
+            <a:normAutofit/>
           </a:bodyPr>
           <a:lstStyle/>
           <a:p>
             <a:r>
               <a:rPr lang="en-GB" dirty="0" smtClean="0"/>
-              <a:t>A new way to get discounts for all the top retailers</a:t>
+              <a:t>Main functionalities</a:t>
             </a:r>
             <a:endParaRPr lang="en-GB" dirty="0"/>
           </a:p>
@@ -3342,9 +4086,33 @@
         </p:nvSpPr>
         <p:spPr/>
         <p:txBody>
-          <a:bodyPr/>
-          <a:lstStyle/>
-          <a:p>
+          <a:bodyPr>
+            <a:normAutofit fontScale="92500"/>
+          </a:bodyPr>
+          <a:lstStyle/>
+          <a:p>
+            <a:r>
+              <a:rPr lang="en-GB" dirty="0" smtClean="0"/>
+              <a:t>Bargain radar allows small businesses to post their discounted deals.</a:t>
+            </a:r>
+          </a:p>
+          <a:p>
+            <a:r>
+              <a:rPr lang="en-GB" dirty="0" smtClean="0"/>
+              <a:t>Deals are sorted into categories.</a:t>
+            </a:r>
+          </a:p>
+          <a:p>
+            <a:r>
+              <a:rPr lang="en-GB" dirty="0" smtClean="0"/>
+              <a:t>Customers can surf through these deals but they have to be registered as customers and users who wish to advertise are registered as clients.</a:t>
+            </a:r>
+          </a:p>
+          <a:p>
+            <a:r>
+              <a:rPr lang="en-GB" dirty="0" smtClean="0"/>
+              <a:t>Customers can add different deals into their baskets. These are claimed through transactions.</a:t>
+            </a:r>
             <a:endParaRPr lang="en-GB" dirty="0"/>
           </a:p>
         </p:txBody>
@@ -3391,7 +4159,11 @@
           <a:p>
             <a:r>
               <a:rPr lang="en-GB" dirty="0" smtClean="0"/>
-              <a:t>User Persona page 1</a:t>
+              <a:t>User </a:t>
+            </a:r>
+            <a:r>
+              <a:rPr lang="en-GB" dirty="0" smtClean="0"/>
+              <a:t>Persona, Jenny</a:t>
             </a:r>
             <a:endParaRPr lang="en-GB" dirty="0"/>
           </a:p>
@@ -3407,12 +4179,159 @@
             <p:ph idx="1"/>
           </p:nvPr>
         </p:nvSpPr>
-        <p:spPr/>
-        <p:txBody>
-          <a:bodyPr/>
-          <a:lstStyle/>
-          <a:p>
-            <a:endParaRPr lang="en-GB" dirty="0"/>
+        <p:spPr>
+          <a:xfrm>
+            <a:off x="357158" y="1600200"/>
+            <a:ext cx="8329642" cy="4472005"/>
+          </a:xfrm>
+        </p:spPr>
+        <p:txBody>
+          <a:bodyPr>
+            <a:normAutofit fontScale="40000" lnSpcReduction="20000"/>
+          </a:bodyPr>
+          <a:lstStyle/>
+          <a:p>
+            <a:r>
+              <a:rPr lang="en-GB" sz="4000" b="1" dirty="0" smtClean="0"/>
+              <a:t>Name:</a:t>
+            </a:r>
+            <a:r>
+              <a:rPr lang="en-GB" sz="4000" dirty="0" smtClean="0"/>
+              <a:t> Jenny</a:t>
+            </a:r>
+          </a:p>
+          <a:p>
+            <a:r>
+              <a:rPr lang="en-GB" sz="4000" b="1" dirty="0" smtClean="0"/>
+              <a:t>Job Title: </a:t>
+            </a:r>
+            <a:r>
+              <a:rPr lang="en-GB" sz="4000" dirty="0" smtClean="0"/>
+              <a:t>Bank accountant</a:t>
+            </a:r>
+          </a:p>
+          <a:p>
+            <a:r>
+              <a:rPr lang="en-GB" sz="4000" b="1" dirty="0" smtClean="0"/>
+              <a:t>Technical comfort: </a:t>
+            </a:r>
+            <a:r>
+              <a:rPr lang="en-GB" sz="4000" dirty="0" smtClean="0"/>
+              <a:t>Average</a:t>
+            </a:r>
+          </a:p>
+          <a:p>
+            <a:r>
+              <a:rPr lang="en-GB" sz="4000" b="1" dirty="0" smtClean="0"/>
+              <a:t>Type:</a:t>
+            </a:r>
+            <a:r>
+              <a:rPr lang="en-GB" sz="4000" dirty="0" smtClean="0"/>
+              <a:t> Customer</a:t>
+            </a:r>
+          </a:p>
+          <a:p>
+            <a:r>
+              <a:rPr lang="en-GB" sz="4000" b="1" dirty="0" smtClean="0"/>
+              <a:t>Background:</a:t>
+            </a:r>
+            <a:r>
+              <a:rPr lang="en-GB" sz="4000" dirty="0" smtClean="0"/>
+              <a:t/>
+            </a:r>
+            <a:br>
+              <a:rPr lang="en-GB" sz="4000" dirty="0" smtClean="0"/>
+            </a:br>
+            <a:r>
+              <a:rPr lang="en-GB" sz="4000" dirty="0" smtClean="0"/>
+              <a:t>-works in a bank</a:t>
+            </a:r>
+            <a:br>
+              <a:rPr lang="en-GB" sz="4000" dirty="0" smtClean="0"/>
+            </a:br>
+            <a:r>
+              <a:rPr lang="en-GB" sz="4000" dirty="0" smtClean="0"/>
+              <a:t>-single mother</a:t>
+            </a:r>
+            <a:br>
+              <a:rPr lang="en-GB" sz="4000" dirty="0" smtClean="0"/>
+            </a:br>
+            <a:r>
+              <a:rPr lang="en-GB" sz="4000" dirty="0" smtClean="0"/>
+              <a:t>-average salary</a:t>
+            </a:r>
+            <a:br>
+              <a:rPr lang="en-GB" sz="4000" dirty="0" smtClean="0"/>
+            </a:br>
+            <a:r>
+              <a:rPr lang="en-GB" sz="4000" dirty="0" smtClean="0"/>
+              <a:t>-very busy</a:t>
+            </a:r>
+            <a:endParaRPr lang="en-GB" sz="4000" dirty="0" smtClean="0"/>
+          </a:p>
+          <a:p>
+            <a:r>
+              <a:rPr lang="en-GB" sz="4000" b="1" dirty="0" smtClean="0"/>
+              <a:t>Motivations:</a:t>
+            </a:r>
+            <a:r>
+              <a:rPr lang="en-GB" sz="4000" dirty="0" smtClean="0"/>
+              <a:t/>
+            </a:r>
+            <a:br>
+              <a:rPr lang="en-GB" sz="4000" dirty="0" smtClean="0"/>
+            </a:br>
+            <a:r>
+              <a:rPr lang="en-GB" sz="4000" dirty="0" smtClean="0"/>
+              <a:t>-She wants to save on money</a:t>
+            </a:r>
+            <a:br>
+              <a:rPr lang="en-GB" sz="4000" dirty="0" smtClean="0"/>
+            </a:br>
+            <a:r>
+              <a:rPr lang="en-GB" sz="4000" dirty="0" smtClean="0"/>
+              <a:t>-She wants to invest her time</a:t>
+            </a:r>
+          </a:p>
+          <a:p>
+            <a:r>
+              <a:rPr lang="en-GB" sz="4000" b="1" dirty="0" smtClean="0"/>
+              <a:t>Frustrations:</a:t>
+            </a:r>
+            <a:r>
+              <a:rPr lang="en-GB" sz="4000" dirty="0" smtClean="0"/>
+              <a:t/>
+            </a:r>
+            <a:br>
+              <a:rPr lang="en-GB" sz="4000" dirty="0" smtClean="0"/>
+            </a:br>
+            <a:r>
+              <a:rPr lang="en-GB" sz="4000" dirty="0" smtClean="0"/>
+              <a:t>-has no time to look for deals</a:t>
+            </a:r>
+            <a:br>
+              <a:rPr lang="en-GB" sz="4000" dirty="0" smtClean="0"/>
+            </a:br>
+            <a:r>
+              <a:rPr lang="en-GB" sz="4000" dirty="0" smtClean="0"/>
+              <a:t>-most websites she surfed are specific</a:t>
+            </a:r>
+            <a:br>
+              <a:rPr lang="en-GB" sz="4000" dirty="0" smtClean="0"/>
+            </a:br>
+            <a:r>
+              <a:rPr lang="en-GB" sz="4000" dirty="0" smtClean="0"/>
+              <a:t>-gets frustrated with complicated websites</a:t>
+            </a:r>
+          </a:p>
+          <a:p>
+            <a:endParaRPr lang="en-GB" sz="4000" dirty="0" smtClean="0"/>
+          </a:p>
+          <a:p>
+            <a:r>
+              <a:rPr lang="en-GB" sz="4000" dirty="0" smtClean="0"/>
+              <a:t>What would be her ideal experience?</a:t>
+            </a:r>
           </a:p>
         </p:txBody>
       </p:sp>
@@ -3458,7 +4377,11 @@
           <a:p>
             <a:r>
               <a:rPr lang="en-GB" dirty="0" smtClean="0"/>
-              <a:t>User Persona page 2</a:t>
+              <a:t>User </a:t>
+            </a:r>
+            <a:r>
+              <a:rPr lang="en-GB" dirty="0" smtClean="0"/>
+              <a:t>Persona, Steve</a:t>
             </a:r>
             <a:endParaRPr lang="en-GB" dirty="0"/>
           </a:p>
@@ -3476,10 +4399,140 @@
         </p:nvSpPr>
         <p:spPr/>
         <p:txBody>
-          <a:bodyPr/>
-          <a:lstStyle/>
-          <a:p>
-            <a:endParaRPr lang="en-GB"/>
+          <a:bodyPr>
+            <a:normAutofit fontScale="62500" lnSpcReduction="20000"/>
+          </a:bodyPr>
+          <a:lstStyle/>
+          <a:p>
+            <a:r>
+              <a:rPr lang="en-GB" b="1" dirty="0" smtClean="0"/>
+              <a:t>Name:</a:t>
+            </a:r>
+            <a:r>
+              <a:rPr lang="en-GB" dirty="0" smtClean="0"/>
+              <a:t> Steve</a:t>
+            </a:r>
+          </a:p>
+          <a:p>
+            <a:r>
+              <a:rPr lang="en-GB" b="1" dirty="0" smtClean="0"/>
+              <a:t>Job Title: </a:t>
+            </a:r>
+            <a:r>
+              <a:rPr lang="en-GB" dirty="0" smtClean="0"/>
+              <a:t>DVD store owner</a:t>
+            </a:r>
+          </a:p>
+          <a:p>
+            <a:r>
+              <a:rPr lang="en-GB" b="1" dirty="0" smtClean="0"/>
+              <a:t>Technical Comfort: </a:t>
+            </a:r>
+            <a:r>
+              <a:rPr lang="en-GB" dirty="0" smtClean="0"/>
+              <a:t>Average</a:t>
+            </a:r>
+          </a:p>
+          <a:p>
+            <a:r>
+              <a:rPr lang="en-GB" b="1" dirty="0" smtClean="0"/>
+              <a:t>Type: </a:t>
+            </a:r>
+            <a:r>
+              <a:rPr lang="en-GB" dirty="0" smtClean="0"/>
+              <a:t>Client</a:t>
+            </a:r>
+          </a:p>
+          <a:p>
+            <a:r>
+              <a:rPr lang="en-GB" b="1" dirty="0" smtClean="0"/>
+              <a:t>Background:</a:t>
+            </a:r>
+            <a:r>
+              <a:rPr lang="en-GB" dirty="0" smtClean="0"/>
+              <a:t/>
+            </a:r>
+            <a:br>
+              <a:rPr lang="en-GB" dirty="0" smtClean="0"/>
+            </a:br>
+            <a:r>
+              <a:rPr lang="en-GB" dirty="0" smtClean="0"/>
+              <a:t>-Owns a DVD store</a:t>
+            </a:r>
+            <a:br>
+              <a:rPr lang="en-GB" dirty="0" smtClean="0"/>
+            </a:br>
+            <a:r>
+              <a:rPr lang="en-GB" dirty="0" smtClean="0"/>
+              <a:t>-His business is not doing so well</a:t>
+            </a:r>
+          </a:p>
+          <a:p>
+            <a:r>
+              <a:rPr lang="en-GB" b="1" dirty="0" smtClean="0"/>
+              <a:t>Motivations:</a:t>
+            </a:r>
+            <a:r>
+              <a:rPr lang="en-GB" dirty="0" smtClean="0"/>
+              <a:t/>
+            </a:r>
+            <a:br>
+              <a:rPr lang="en-GB" dirty="0" smtClean="0"/>
+            </a:br>
+            <a:r>
+              <a:rPr lang="en-GB" dirty="0" smtClean="0"/>
+              <a:t>-He has many deals to promote</a:t>
+            </a:r>
+            <a:br>
+              <a:rPr lang="en-GB" dirty="0" smtClean="0"/>
+            </a:br>
+            <a:r>
+              <a:rPr lang="en-GB" dirty="0" smtClean="0"/>
+              <a:t>-he wants to manage his deals’ advertisements by himself</a:t>
+            </a:r>
+          </a:p>
+          <a:p>
+            <a:r>
+              <a:rPr lang="en-GB" b="1" dirty="0" smtClean="0"/>
+              <a:t>Frustrations:</a:t>
+            </a:r>
+            <a:r>
+              <a:rPr lang="en-GB" dirty="0" smtClean="0"/>
+              <a:t/>
+            </a:r>
+            <a:br>
+              <a:rPr lang="en-GB" dirty="0" smtClean="0"/>
+            </a:br>
+            <a:r>
+              <a:rPr lang="en-GB" dirty="0" smtClean="0"/>
+              <a:t>-He doesn’t like procedures</a:t>
+            </a:r>
+            <a:br>
+              <a:rPr lang="en-GB" dirty="0" smtClean="0"/>
+            </a:br>
+            <a:r>
+              <a:rPr lang="en-GB" dirty="0" smtClean="0"/>
+              <a:t>-His advertisements get overshadowed by other ones</a:t>
+            </a:r>
+          </a:p>
+          <a:p>
+            <a:r>
+              <a:rPr lang="en-GB" dirty="0" smtClean="0"/>
+              <a:t>What would be his ideal experience?</a:t>
+            </a:r>
+            <a:br>
+              <a:rPr lang="en-GB" dirty="0" smtClean="0"/>
+            </a:br>
+            <a:endParaRPr lang="en-GB" dirty="0" smtClean="0"/>
+          </a:p>
+          <a:p>
+            <a:endParaRPr lang="en-GB" dirty="0" smtClean="0"/>
+          </a:p>
+          <a:p>
+            <a:endParaRPr lang="en-GB" dirty="0" smtClean="0"/>
+          </a:p>
+          <a:p>
+            <a:endParaRPr lang="en-GB" dirty="0"/>
           </a:p>
         </p:txBody>
       </p:sp>
@@ -3518,42 +4571,69 @@
             <p:ph type="title"/>
           </p:nvPr>
         </p:nvSpPr>
-        <p:spPr/>
-        <p:txBody>
-          <a:bodyPr/>
-          <a:lstStyle/>
-          <a:p>
-            <a:r>
-              <a:rPr lang="en-GB" dirty="0" err="1" smtClean="0"/>
+        <p:spPr>
+          <a:xfrm>
+            <a:off x="457200" y="274638"/>
+            <a:ext cx="8258204" cy="725470"/>
+          </a:xfrm>
+        </p:spPr>
+        <p:txBody>
+          <a:bodyPr>
+            <a:normAutofit/>
+          </a:bodyPr>
+          <a:lstStyle/>
+          <a:p>
+            <a:r>
+              <a:rPr lang="en-GB" sz="2000" dirty="0" err="1" smtClean="0"/>
               <a:t>WireFrame</a:t>
             </a:r>
             <a:r>
-              <a:rPr lang="en-GB" dirty="0" smtClean="0"/>
-              <a:t> 1 </a:t>
-            </a:r>
-            <a:endParaRPr lang="en-GB" dirty="0"/>
-          </a:p>
-        </p:txBody>
-      </p:sp>
-      <p:sp>
-        <p:nvSpPr>
-          <p:cNvPr id="3" name="Content Placeholder 2"/>
-          <p:cNvSpPr>
-            <a:spLocks noGrp="1"/>
-          </p:cNvSpPr>
+              <a:rPr lang="en-GB" sz="2000" dirty="0" smtClean="0"/>
+              <a:t>, Home page</a:t>
+            </a:r>
+            <a:r>
+              <a:rPr lang="en-GB" sz="2000" dirty="0" smtClean="0"/>
+              <a:t> </a:t>
+            </a:r>
+            <a:endParaRPr lang="en-GB" sz="2000" dirty="0"/>
+          </a:p>
+        </p:txBody>
+      </p:sp>
+      <p:pic>
+        <p:nvPicPr>
+          <p:cNvPr id="2050" name="Picture 2"/>
+          <p:cNvPicPr>
+            <a:picLocks noGrp="1" noChangeAspect="1" noChangeArrowheads="1"/>
+          </p:cNvPicPr>
           <p:nvPr>
             <p:ph idx="1"/>
           </p:nvPr>
-        </p:nvSpPr>
-        <p:spPr/>
-        <p:txBody>
-          <a:bodyPr/>
-          <a:lstStyle/>
-          <a:p>
-            <a:endParaRPr lang="en-GB"/>
-          </a:p>
-        </p:txBody>
-      </p:sp>
+        </p:nvPicPr>
+        <p:blipFill>
+          <a:blip r:embed="rId2"/>
+          <a:srcRect/>
+          <a:stretch>
+            <a:fillRect/>
+          </a:stretch>
+        </p:blipFill>
+        <p:spPr bwMode="auto">
+          <a:xfrm>
+            <a:off x="291379" y="1214422"/>
+            <a:ext cx="7937791" cy="4911741"/>
+          </a:xfrm>
+          <a:prstGeom prst="rect">
+            <a:avLst/>
+          </a:prstGeom>
+          <a:noFill/>
+          <a:ln w="9525">
+            <a:noFill/>
+            <a:miter lim="800000"/>
+            <a:headEnd/>
+            <a:tailEnd/>
+          </a:ln>
+          <a:effectLst/>
+        </p:spPr>
+      </p:pic>
     </p:spTree>
   </p:cSld>
   <p:clrMapOvr>
@@ -3589,42 +4669,63 @@
             <p:ph type="title"/>
           </p:nvPr>
         </p:nvSpPr>
-        <p:spPr/>
-        <p:txBody>
-          <a:bodyPr/>
-          <a:lstStyle/>
-          <a:p>
-            <a:r>
-              <a:rPr lang="en-GB" dirty="0" err="1" smtClean="0"/>
+        <p:spPr>
+          <a:xfrm>
+            <a:off x="457200" y="274638"/>
+            <a:ext cx="8229600" cy="725470"/>
+          </a:xfrm>
+        </p:spPr>
+        <p:txBody>
+          <a:bodyPr/>
+          <a:lstStyle/>
+          <a:p>
+            <a:r>
+              <a:rPr lang="en-GB" sz="1800" dirty="0" err="1" smtClean="0"/>
               <a:t>WireFrame</a:t>
             </a:r>
             <a:r>
-              <a:rPr lang="en-GB" dirty="0" smtClean="0"/>
-              <a:t> 2</a:t>
+              <a:rPr lang="en-GB" sz="1800" dirty="0" smtClean="0"/>
+              <a:t>, Deal page</a:t>
             </a:r>
             <a:endParaRPr lang="en-GB" dirty="0"/>
           </a:p>
         </p:txBody>
       </p:sp>
-      <p:sp>
-        <p:nvSpPr>
-          <p:cNvPr id="3" name="Content Placeholder 2"/>
-          <p:cNvSpPr>
-            <a:spLocks noGrp="1"/>
-          </p:cNvSpPr>
+      <p:pic>
+        <p:nvPicPr>
+          <p:cNvPr id="3074" name="Picture 2"/>
+          <p:cNvPicPr>
+            <a:picLocks noGrp="1" noChangeAspect="1" noChangeArrowheads="1"/>
+          </p:cNvPicPr>
           <p:nvPr>
             <p:ph idx="1"/>
           </p:nvPr>
-        </p:nvSpPr>
-        <p:spPr/>
-        <p:txBody>
-          <a:bodyPr/>
-          <a:lstStyle/>
-          <a:p>
-            <a:endParaRPr lang="en-GB"/>
-          </a:p>
-        </p:txBody>
-      </p:sp>
+        </p:nvPicPr>
+        <p:blipFill>
+          <a:blip r:embed="rId2"/>
+          <a:srcRect/>
+          <a:stretch>
+            <a:fillRect/>
+          </a:stretch>
+        </p:blipFill>
+        <p:spPr bwMode="auto">
+          <a:xfrm>
+            <a:off x="309102" y="1071546"/>
+            <a:ext cx="8454857" cy="5054617"/>
+          </a:xfrm>
+          <a:prstGeom prst="rect">
+            <a:avLst/>
+          </a:prstGeom>
+          <a:noFill/>
+          <a:ln w="9525">
+            <a:noFill/>
+            <a:miter lim="800000"/>
+            <a:headEnd/>
+            <a:tailEnd/>
+          </a:ln>
+          <a:effectLst/>
+        </p:spPr>
+      </p:pic>
     </p:spTree>
   </p:cSld>
   <p:clrMapOvr>
@@ -3662,12 +4763,14 @@
         </p:nvSpPr>
         <p:spPr/>
         <p:txBody>
-          <a:bodyPr/>
+          <a:bodyPr>
+            <a:normAutofit fontScale="90000"/>
+          </a:bodyPr>
           <a:lstStyle/>
           <a:p>
             <a:r>
               <a:rPr lang="en-GB" dirty="0" smtClean="0"/>
-              <a:t>Defining Features</a:t>
+              <a:t>What makes our website stand out?</a:t>
             </a:r>
             <a:endParaRPr lang="en-GB" dirty="0"/>
           </a:p>
@@ -3688,7 +4791,33 @@
           <a:bodyPr/>
           <a:lstStyle/>
           <a:p>
-            <a:endParaRPr lang="en-GB"/>
+            <a:r>
+              <a:rPr lang="en-GB" dirty="0" smtClean="0"/>
+              <a:t>Our website supports small businesses that are overshadowed by bigger corporations.</a:t>
+            </a:r>
+          </a:p>
+          <a:p>
+            <a:r>
+              <a:rPr lang="en-GB" dirty="0" smtClean="0"/>
+              <a:t>We give total control to our clients.</a:t>
+            </a:r>
+          </a:p>
+          <a:p>
+            <a:r>
+              <a:rPr lang="en-GB" dirty="0" smtClean="0"/>
+              <a:t>Our deals are exceptional and are from a wide range of various categories.</a:t>
+            </a:r>
+          </a:p>
+          <a:p>
+            <a:r>
+              <a:rPr lang="en-GB" dirty="0" smtClean="0"/>
+              <a:t>Bargain radar has a simple friendly user interface.</a:t>
+            </a:r>
+            <a:r>
+              <a:rPr lang="en-GB" dirty="0" smtClean="0"/>
+              <a:t> </a:t>
+            </a:r>
+            <a:endParaRPr lang="en-GB" dirty="0"/>
           </a:p>
         </p:txBody>
       </p:sp>
@@ -3727,38 +4856,61 @@
             <p:ph type="title"/>
           </p:nvPr>
         </p:nvSpPr>
-        <p:spPr/>
-        <p:txBody>
-          <a:bodyPr/>
+        <p:spPr>
+          <a:xfrm>
+            <a:off x="785786" y="274638"/>
+            <a:ext cx="6858048" cy="654032"/>
+          </a:xfrm>
+        </p:spPr>
+        <p:txBody>
+          <a:bodyPr>
+            <a:normAutofit fontScale="90000"/>
+          </a:bodyPr>
           <a:lstStyle/>
           <a:p>
             <a:r>
               <a:rPr lang="en-GB" dirty="0" smtClean="0"/>
-              <a:t>Specs/ User needs matrix</a:t>
+              <a:t>ER Diagram</a:t>
             </a:r>
             <a:endParaRPr lang="en-GB" dirty="0"/>
           </a:p>
         </p:txBody>
       </p:sp>
-      <p:sp>
-        <p:nvSpPr>
-          <p:cNvPr id="3" name="Content Placeholder 2"/>
-          <p:cNvSpPr>
-            <a:spLocks noGrp="1"/>
-          </p:cNvSpPr>
+      <p:pic>
+        <p:nvPicPr>
+          <p:cNvPr id="4098" name="Picture 2"/>
+          <p:cNvPicPr>
+            <a:picLocks noGrp="1" noChangeAspect="1" noChangeArrowheads="1"/>
+          </p:cNvPicPr>
           <p:nvPr>
             <p:ph idx="1"/>
           </p:nvPr>
-        </p:nvSpPr>
-        <p:spPr/>
-        <p:txBody>
-          <a:bodyPr/>
-          <a:lstStyle/>
-          <a:p>
-            <a:endParaRPr lang="en-GB"/>
-          </a:p>
-        </p:txBody>
-      </p:sp>
+        </p:nvPicPr>
+        <p:blipFill>
+          <a:blip r:embed="rId2"/>
+          <a:srcRect/>
+          <a:stretch>
+            <a:fillRect/>
+          </a:stretch>
+        </p:blipFill>
+        <p:spPr bwMode="auto">
+          <a:xfrm>
+            <a:off x="126149" y="1071546"/>
+            <a:ext cx="8732099" cy="5643602"/>
+          </a:xfrm>
+          <a:prstGeom prst="rect">
+            <a:avLst/>
+          </a:prstGeom>
+          <a:noFill/>
+          <a:ln w="9525">
+            <a:noFill/>
+            <a:miter lim="800000"/>
+            <a:headEnd/>
+            <a:tailEnd/>
+          </a:ln>
+          <a:effectLst/>
+        </p:spPr>
+      </p:pic>
     </p:spTree>
   </p:cSld>
   <p:clrMapOvr>
@@ -3791,17 +4943,26 @@
             <a:spLocks noGrp="1"/>
           </p:cNvSpPr>
           <p:nvPr>
-            <p:ph type="title"/>
-          </p:nvPr>
-        </p:nvSpPr>
-        <p:spPr/>
-        <p:txBody>
-          <a:bodyPr/>
-          <a:lstStyle/>
-          <a:p>
+            <p:ph type="ctrTitle"/>
+          </p:nvPr>
+        </p:nvSpPr>
+        <p:spPr>
+          <a:xfrm>
+            <a:off x="683568" y="116632"/>
+            <a:ext cx="7772400" cy="1470025"/>
+          </a:xfrm>
+        </p:spPr>
+        <p:txBody>
+          <a:bodyPr/>
+          <a:lstStyle/>
+          <a:p>
+            <a:r>
+              <a:rPr lang="en-GB" dirty="0" err="1" smtClean="0"/>
+              <a:t>MoSCoW</a:t>
+            </a:r>
             <a:r>
               <a:rPr lang="en-GB" dirty="0" smtClean="0"/>
-              <a:t>URL Site map</a:t>
+              <a:t> Analysis</a:t>
             </a:r>
             <a:endParaRPr lang="en-GB" dirty="0"/>
           </a:p>
@@ -3809,28 +4970,197 @@
       </p:sp>
       <p:sp>
         <p:nvSpPr>
-          <p:cNvPr id="3" name="Content Placeholder 2"/>
-          <p:cNvSpPr>
-            <a:spLocks noGrp="1"/>
-          </p:cNvSpPr>
-          <p:nvPr>
-            <p:ph idx="1"/>
-          </p:nvPr>
-        </p:nvSpPr>
-        <p:spPr/>
-        <p:txBody>
-          <a:bodyPr/>
-          <a:lstStyle/>
-          <a:p>
-            <a:r>
-              <a:rPr lang="en-GB" dirty="0" smtClean="0"/>
-              <a:t>Maybe 1 extra slide</a:t>
-            </a:r>
-            <a:endParaRPr lang="en-GB" dirty="0"/>
+          <p:cNvPr id="3" name="Subtitle 2"/>
+          <p:cNvSpPr>
+            <a:spLocks noGrp="1"/>
+          </p:cNvSpPr>
+          <p:nvPr>
+            <p:ph type="subTitle" idx="1"/>
+          </p:nvPr>
+        </p:nvSpPr>
+        <p:spPr>
+          <a:xfrm>
+            <a:off x="395536" y="1700808"/>
+            <a:ext cx="8280920" cy="4608512"/>
+          </a:xfrm>
+        </p:spPr>
+        <p:txBody>
+          <a:bodyPr>
+            <a:normAutofit fontScale="92500" lnSpcReduction="20000"/>
+          </a:bodyPr>
+          <a:lstStyle/>
+          <a:p>
+            <a:pPr marL="457200" indent="-457200" algn="l">
+              <a:buFont typeface="Arial" pitchFamily="34" charset="0"/>
+              <a:buChar char="•"/>
+            </a:pPr>
+            <a:r>
+              <a:rPr lang="en-GB" dirty="0" smtClean="0">
+                <a:solidFill>
+                  <a:schemeClr val="tx1"/>
+                </a:solidFill>
+              </a:rPr>
+              <a:t>M: Simple User Interface</a:t>
+            </a:r>
+          </a:p>
+          <a:p>
+            <a:pPr algn="l"/>
+            <a:r>
+              <a:rPr lang="en-GB" dirty="0">
+                <a:solidFill>
+                  <a:schemeClr val="tx1"/>
+                </a:solidFill>
+              </a:rPr>
+              <a:t> </a:t>
+            </a:r>
+            <a:r>
+              <a:rPr lang="en-GB" dirty="0" smtClean="0">
+                <a:solidFill>
+                  <a:schemeClr val="tx1"/>
+                </a:solidFill>
+              </a:rPr>
+              <a:t>          All Categories on one site     	</a:t>
+            </a:r>
+          </a:p>
+          <a:p>
+            <a:pPr marL="457200" indent="-457200" algn="l">
+              <a:buFont typeface="Arial" pitchFamily="34" charset="0"/>
+              <a:buChar char="•"/>
+            </a:pPr>
+            <a:endParaRPr lang="en-GB" dirty="0">
+              <a:solidFill>
+                <a:schemeClr val="tx1"/>
+              </a:solidFill>
+            </a:endParaRPr>
+          </a:p>
+          <a:p>
+            <a:pPr marL="457200" indent="-457200" algn="l">
+              <a:buFont typeface="Arial" pitchFamily="34" charset="0"/>
+              <a:buChar char="•"/>
+            </a:pPr>
+            <a:r>
+              <a:rPr lang="en-GB" dirty="0" smtClean="0">
+                <a:solidFill>
+                  <a:schemeClr val="tx1"/>
+                </a:solidFill>
+              </a:rPr>
+              <a:t>S: Representative Autonomy</a:t>
+            </a:r>
+          </a:p>
+          <a:p>
+            <a:pPr algn="l"/>
+            <a:r>
+              <a:rPr lang="en-GB" dirty="0">
+                <a:solidFill>
+                  <a:schemeClr val="tx1"/>
+                </a:solidFill>
+              </a:rPr>
+              <a:t> </a:t>
+            </a:r>
+            <a:r>
+              <a:rPr lang="en-GB" dirty="0" smtClean="0">
+                <a:solidFill>
+                  <a:schemeClr val="tx1"/>
+                </a:solidFill>
+              </a:rPr>
+              <a:t>         Small Business Exclusive</a:t>
+            </a:r>
+          </a:p>
+          <a:p>
+            <a:pPr algn="l"/>
+            <a:r>
+              <a:rPr lang="en-GB" dirty="0" smtClean="0">
+                <a:solidFill>
+                  <a:schemeClr val="tx1"/>
+                </a:solidFill>
+              </a:rPr>
+              <a:t>          User Rating by Popularity</a:t>
+            </a:r>
+            <a:endParaRPr lang="en-GB" dirty="0">
+              <a:solidFill>
+                <a:schemeClr val="tx1"/>
+              </a:solidFill>
+            </a:endParaRPr>
+          </a:p>
+          <a:p>
+            <a:pPr marL="457200" indent="-457200" algn="l">
+              <a:buFont typeface="Arial" pitchFamily="34" charset="0"/>
+              <a:buChar char="•"/>
+            </a:pPr>
+            <a:r>
+              <a:rPr lang="en-GB" dirty="0" smtClean="0">
+                <a:solidFill>
+                  <a:schemeClr val="tx1"/>
+                </a:solidFill>
+              </a:rPr>
+              <a:t>C: Transaction less Checkout</a:t>
+            </a:r>
+          </a:p>
+          <a:p>
+            <a:pPr algn="l"/>
+            <a:r>
+              <a:rPr lang="en-GB" dirty="0">
+                <a:solidFill>
+                  <a:schemeClr val="tx1"/>
+                </a:solidFill>
+              </a:rPr>
+              <a:t> </a:t>
+            </a:r>
+            <a:r>
+              <a:rPr lang="en-GB" dirty="0" smtClean="0">
+                <a:solidFill>
+                  <a:schemeClr val="tx1"/>
+                </a:solidFill>
+              </a:rPr>
+              <a:t>         Secure Login</a:t>
+            </a:r>
+          </a:p>
+          <a:p>
+            <a:pPr marL="457200" indent="-457200" algn="l">
+              <a:buFont typeface="Arial" pitchFamily="34" charset="0"/>
+              <a:buChar char="•"/>
+            </a:pPr>
+            <a:endParaRPr lang="en-GB" dirty="0">
+              <a:solidFill>
+                <a:schemeClr val="tx1"/>
+              </a:solidFill>
+            </a:endParaRPr>
+          </a:p>
+          <a:p>
+            <a:pPr marL="457200" indent="-457200" algn="l">
+              <a:buFont typeface="Arial" pitchFamily="34" charset="0"/>
+              <a:buChar char="•"/>
+            </a:pPr>
+            <a:r>
+              <a:rPr lang="en-GB" dirty="0" smtClean="0">
+                <a:solidFill>
+                  <a:schemeClr val="tx1"/>
+                </a:solidFill>
+              </a:rPr>
+              <a:t>W:Large Corporation </a:t>
+            </a:r>
+            <a:r>
+              <a:rPr lang="en-GB" smtClean="0">
+                <a:solidFill>
+                  <a:schemeClr val="tx1"/>
+                </a:solidFill>
+              </a:rPr>
+              <a:t>Deals included </a:t>
+            </a:r>
+            <a:endParaRPr lang="en-GB" dirty="0">
+              <a:solidFill>
+                <a:schemeClr val="tx1"/>
+              </a:solidFill>
+            </a:endParaRPr>
           </a:p>
         </p:txBody>
       </p:sp>
     </p:spTree>
+    <p:extLst>
+      <p:ext uri="{BB962C8B-B14F-4D97-AF65-F5344CB8AC3E}">
+        <p14:creationId xmlns:p14="http://schemas.microsoft.com/office/powerpoint/2010/main" xmlns="" val="3152014940"/>
+      </p:ext>
+    </p:extLst>
   </p:cSld>
   <p:clrMapOvr>
     <a:masterClrMapping/>
